--- a/Snake-Game-PPT.pptx
+++ b/Snake-Game-PPT.pptx
@@ -47,7 +47,8 @@
     <p:sldId id="264" r:id="rId42"/>
     <p:sldId id="265" r:id="rId43"/>
     <p:sldId id="266" r:id="rId44"/>
-    <p:sldId id="268" r:id="rId45"/>
+    <p:sldId id="269" r:id="rId45"/>
+    <p:sldId id="268" r:id="rId46"/>
   </p:sldIdLst>
   <p:sldSz cx="9144000" cy="5143500"/>
   <p:notesSz cx="6858000" cy="9144000"/>
@@ -9002,6 +9003,152 @@
       </p:grpSpPr>
       <p:sp>
         <p:nvSpPr>
+          <p:cNvPr id="158" name="PlaceHolder 1"/>
+          <p:cNvSpPr>
+            <a:spLocks noGrp="1"/>
+          </p:cNvSpPr>
+          <p:nvPr>
+            <p:ph type="title"/>
+          </p:nvPr>
+        </p:nvSpPr>
+        <p:spPr>
+          <a:xfrm>
+            <a:off x="971640" y="781200"/>
+            <a:ext cx="4876560" cy="1190160"/>
+          </a:xfrm>
+          <a:prstGeom prst="rect">
+            <a:avLst/>
+          </a:prstGeom>
+          <a:noFill/>
+          <a:ln w="0">
+            <a:noFill/>
+          </a:ln>
+        </p:spPr>
+        <p:txBody>
+          <a:bodyPr lIns="91440" tIns="91440" rIns="91440" bIns="91440" anchor="b">
+            <a:normAutofit/>
+          </a:bodyPr>
+          <a:p>
+            <a:pPr indent="0">
+              <a:lnSpc>
+                <a:spcPct val="100000"/>
+              </a:lnSpc>
+              <a:buNone/>
+              <a:tabLst>
+                <a:tab pos="0" algn="l"/>
+              </a:tabLst>
+            </a:pPr>
+            <a:r>
+              <a:rPr lang="en-US" altLang="en-GB" sz="4400" b="0" strike="noStrike" spc="-1">
+                <a:solidFill>
+                  <a:schemeClr val="dk1"/>
+                </a:solidFill>
+                <a:latin typeface="Prata"/>
+                <a:ea typeface="Prata"/>
+              </a:rPr>
+              <a:t>GIT Hub URL:</a:t>
+            </a:r>
+            <a:endParaRPr lang="en-US" altLang="en-GB" sz="4400" b="0" strike="noStrike" spc="-1">
+              <a:solidFill>
+                <a:schemeClr val="dk1"/>
+              </a:solidFill>
+              <a:latin typeface="Prata"/>
+              <a:ea typeface="Prata"/>
+            </a:endParaRPr>
+          </a:p>
+        </p:txBody>
+      </p:sp>
+      <p:sp>
+        <p:nvSpPr>
+          <p:cNvPr id="159" name="PlaceHolder 2"/>
+          <p:cNvSpPr>
+            <a:spLocks noGrp="1"/>
+          </p:cNvSpPr>
+          <p:nvPr>
+            <p:ph type="subTitle"/>
+          </p:nvPr>
+        </p:nvSpPr>
+        <p:spPr>
+          <a:xfrm>
+            <a:off x="971640" y="2124000"/>
+            <a:ext cx="4876560" cy="666360"/>
+          </a:xfrm>
+          <a:prstGeom prst="rect">
+            <a:avLst/>
+          </a:prstGeom>
+          <a:noFill/>
+          <a:ln w="0">
+            <a:noFill/>
+          </a:ln>
+        </p:spPr>
+        <p:txBody>
+          <a:bodyPr lIns="91440" tIns="91440" rIns="91440" bIns="91440" anchor="t">
+            <a:normAutofit fontScale="90000"/>
+          </a:bodyPr>
+          <a:p>
+            <a:pPr indent="0">
+              <a:lnSpc>
+                <a:spcPct val="100000"/>
+              </a:lnSpc>
+              <a:buNone/>
+              <a:tabLst>
+                <a:tab pos="0" algn="l"/>
+              </a:tabLst>
+            </a:pPr>
+            <a:r>
+              <a:rPr lang="en-US" altLang="en-US" sz="1600" b="0" strike="noStrike" spc="-1">
+                <a:solidFill>
+                  <a:srgbClr val="000000"/>
+                </a:solidFill>
+                <a:latin typeface="OpenSymbol"/>
+                <a:hlinkClick r:id="rId1" tooltip="" action="ppaction://hlinkfile"/>
+              </a:rPr>
+              <a:t>https://github.com/janvi2101/python-assignment</a:t>
+            </a:r>
+            <a:endParaRPr lang="en-US" altLang="en-US" sz="1600" b="0" strike="noStrike" spc="-1">
+              <a:solidFill>
+                <a:srgbClr val="000000"/>
+              </a:solidFill>
+              <a:latin typeface="OpenSymbol"/>
+            </a:endParaRPr>
+          </a:p>
+        </p:txBody>
+      </p:sp>
+    </p:spTree>
+  </p:cSld>
+  <p:clrMapOvr>
+    <a:masterClrMapping/>
+  </p:clrMapOvr>
+  <mc:AlternateContent xmlns:mc="http://schemas.openxmlformats.org/markup-compatibility/2006">
+    <mc:Choice xmlns:p14="http://schemas.microsoft.com/office/powerpoint/2010/main" Requires="p14">
+      <p:transition spd="slow" p14:dur="2000"/>
+    </mc:Choice>
+    <mc:Fallback>
+      <p:transition spd="slow"/>
+    </mc:Fallback>
+  </mc:AlternateContent>
+</p:sld>
+</file>
+
+<file path=ppt/slides/slide13.xml><?xml version="1.0" encoding="utf-8"?>
+<p:sld xmlns:a="http://schemas.openxmlformats.org/drawingml/2006/main" xmlns:r="http://schemas.openxmlformats.org/officeDocument/2006/relationships" xmlns:p="http://schemas.openxmlformats.org/presentationml/2006/main">
+  <p:cSld>
+    <p:spTree>
+      <p:nvGrpSpPr>
+        <p:cNvPr id="1" name=""/>
+        <p:cNvGrpSpPr/>
+        <p:nvPr/>
+      </p:nvGrpSpPr>
+      <p:grpSpPr>
+        <a:xfrm>
+          <a:off x="0" y="0"/>
+          <a:ext cx="0" cy="0"/>
+          <a:chOff x="0" y="0"/>
+          <a:chExt cx="0" cy="0"/>
+        </a:xfrm>
+      </p:grpSpPr>
+      <p:sp>
+        <p:nvSpPr>
           <p:cNvPr id="160" name="PlaceHolder 1"/>
           <p:cNvSpPr>
             <a:spLocks noGrp="1"/>

--- a/Snake-Game-PPT.pptx
+++ b/Snake-Game-PPT.pptx
@@ -8421,7 +8421,7 @@
         </p:spPr>
         <p:txBody>
           <a:bodyPr lIns="91440" tIns="91440" rIns="91440" bIns="91440" anchor="b">
-            <a:normAutofit/>
+            <a:noAutofit/>
           </a:bodyPr>
           <a:p>
             <a:pPr indent="0">
@@ -8434,7 +8434,7 @@
               </a:tabLst>
             </a:pPr>
             <a:r>
-              <a:rPr lang="en-GB" sz="7000" b="0" strike="noStrike" spc="-1">
+              <a:rPr lang="en-GB" sz="4800" b="0" strike="noStrike" spc="-1">
                 <a:solidFill>
                   <a:schemeClr val="dk1"/>
                 </a:solidFill>
@@ -8443,11 +8443,32 @@
               </a:rPr>
               <a:t>Snake Game</a:t>
             </a:r>
-            <a:endParaRPr lang="fr-FR" sz="7000" b="0" strike="noStrike" spc="-1">
+            <a:r>
+              <a:rPr lang="en-IN" altLang="en-GB" sz="4800" b="0" strike="noStrike" spc="-1">
+                <a:solidFill>
+                  <a:schemeClr val="dk1"/>
+                </a:solidFill>
+                <a:latin typeface="Prata"/>
+                <a:ea typeface="Prata"/>
+              </a:rPr>
+              <a:t> Using </a:t>
+            </a:r>
+            <a:r>
+              <a:rPr lang="en-US" altLang="en-US" sz="4800" b="0" strike="noStrike" spc="-1">
+                <a:solidFill>
+                  <a:schemeClr val="dk1"/>
+                </a:solidFill>
+                <a:latin typeface="Prata"/>
+                <a:ea typeface="Prata"/>
+              </a:rPr>
+              <a:t>Django</a:t>
+            </a:r>
+            <a:endParaRPr lang="en-US" altLang="en-US" sz="4800" b="0" strike="noStrike" spc="-1">
               <a:solidFill>
                 <a:schemeClr val="dk1"/>
               </a:solidFill>
-              <a:latin typeface="Arial" panose="020B0604020202020204"/>
+              <a:latin typeface="Prata"/>
+              <a:ea typeface="Prata"/>
             </a:endParaRPr>
           </a:p>
         </p:txBody>
@@ -8464,8 +8485,8 @@
         </p:nvSpPr>
         <p:spPr>
           <a:xfrm>
-            <a:off x="3726815" y="3609975"/>
-            <a:ext cx="4625975" cy="818515"/>
+            <a:off x="4429760" y="3609975"/>
+            <a:ext cx="3923030" cy="818515"/>
           </a:xfrm>
           <a:prstGeom prst="rect">
             <a:avLst/>
@@ -8489,16 +8510,6 @@
                 <a:tab pos="0" algn="l"/>
               </a:tabLst>
             </a:pPr>
-            <a:r>
-              <a:rPr lang="en-GB" sz="1600" b="0" strike="noStrike" spc="-1">
-                <a:solidFill>
-                  <a:schemeClr val="dk1"/>
-                </a:solidFill>
-                <a:latin typeface="Roboto"/>
-                <a:ea typeface="Roboto"/>
-              </a:rPr>
-              <a:t>A Django Project by</a:t>
-            </a:r>
             <a:endParaRPr lang="en-GB" sz="1600" b="0" strike="noStrike" spc="-1">
               <a:solidFill>
                 <a:schemeClr val="dk1"/>
@@ -9101,7 +9112,7 @@
                   <a:srgbClr val="000000"/>
                 </a:solidFill>
                 <a:latin typeface="OpenSymbol"/>
-                <a:hlinkClick r:id="rId1" tooltip="" action="ppaction://hlinkfile"/>
+                <a:hlinkClick r:id="rId1" action="ppaction://hlinkfile"/>
               </a:rPr>
               <a:t>https://github.com/janvi2101/python-assignment</a:t>
             </a:r>
